--- a/week 8/Slides/08-3 EMAT10007_Matplotlib_CurveFitting.pptx
+++ b/week 8/Slides/08-3 EMAT10007_Matplotlib_CurveFitting.pptx
@@ -5,22 +5,24 @@
     <p:sldMasterId id="2147483648" r:id="rId1"/>
   </p:sldMasterIdLst>
   <p:notesMasterIdLst>
-    <p:notesMasterId r:id="rId15"/>
+    <p:notesMasterId r:id="rId17"/>
   </p:notesMasterIdLst>
   <p:sldIdLst>
     <p:sldId id="260" r:id="rId2"/>
-    <p:sldId id="262" r:id="rId3"/>
-    <p:sldId id="306" r:id="rId4"/>
-    <p:sldId id="307" r:id="rId5"/>
-    <p:sldId id="308" r:id="rId6"/>
-    <p:sldId id="309" r:id="rId7"/>
-    <p:sldId id="310" r:id="rId8"/>
-    <p:sldId id="311" r:id="rId9"/>
-    <p:sldId id="284" r:id="rId10"/>
-    <p:sldId id="297" r:id="rId11"/>
-    <p:sldId id="298" r:id="rId12"/>
-    <p:sldId id="313" r:id="rId13"/>
-    <p:sldId id="315" r:id="rId14"/>
+    <p:sldId id="316" r:id="rId3"/>
+    <p:sldId id="262" r:id="rId4"/>
+    <p:sldId id="306" r:id="rId5"/>
+    <p:sldId id="307" r:id="rId6"/>
+    <p:sldId id="308" r:id="rId7"/>
+    <p:sldId id="309" r:id="rId8"/>
+    <p:sldId id="310" r:id="rId9"/>
+    <p:sldId id="311" r:id="rId10"/>
+    <p:sldId id="317" r:id="rId11"/>
+    <p:sldId id="284" r:id="rId12"/>
+    <p:sldId id="297" r:id="rId13"/>
+    <p:sldId id="298" r:id="rId14"/>
+    <p:sldId id="313" r:id="rId15"/>
+    <p:sldId id="315" r:id="rId16"/>
   </p:sldIdLst>
   <p:sldSz cx="12192000" cy="6858000"/>
   <p:notesSz cx="6858000" cy="9144000"/>
@@ -209,7 +211,7 @@
           <a:p>
             <a:fld id="{1AFC2406-82C6-CF4A-B27C-C2F326EF62C1}" type="datetimeFigureOut">
               <a:rPr lang="en-US" smtClean="0"/>
-              <a:t>9/16/20</a:t>
+              <a:t>11/13/20</a:t>
             </a:fld>
             <a:endParaRPr lang="en-US"/>
           </a:p>
@@ -608,7 +610,7 @@
           <a:p>
             <a:fld id="{54FF0283-3405-0C49-9DF2-C2137628C46D}" type="datetimeFigureOut">
               <a:rPr lang="en-US" smtClean="0"/>
-              <a:t>9/16/20</a:t>
+              <a:t>11/13/20</a:t>
             </a:fld>
             <a:endParaRPr lang="en-US"/>
           </a:p>
@@ -778,7 +780,7 @@
           <a:p>
             <a:fld id="{54FF0283-3405-0C49-9DF2-C2137628C46D}" type="datetimeFigureOut">
               <a:rPr lang="en-US" smtClean="0"/>
-              <a:t>9/16/20</a:t>
+              <a:t>11/13/20</a:t>
             </a:fld>
             <a:endParaRPr lang="en-US"/>
           </a:p>
@@ -958,7 +960,7 @@
           <a:p>
             <a:fld id="{54FF0283-3405-0C49-9DF2-C2137628C46D}" type="datetimeFigureOut">
               <a:rPr lang="en-US" smtClean="0"/>
-              <a:t>9/16/20</a:t>
+              <a:t>11/13/20</a:t>
             </a:fld>
             <a:endParaRPr lang="en-US"/>
           </a:p>
@@ -1128,7 +1130,7 @@
           <a:p>
             <a:fld id="{54FF0283-3405-0C49-9DF2-C2137628C46D}" type="datetimeFigureOut">
               <a:rPr lang="en-US" smtClean="0"/>
-              <a:t>9/16/20</a:t>
+              <a:t>11/13/20</a:t>
             </a:fld>
             <a:endParaRPr lang="en-US"/>
           </a:p>
@@ -1374,7 +1376,7 @@
           <a:p>
             <a:fld id="{54FF0283-3405-0C49-9DF2-C2137628C46D}" type="datetimeFigureOut">
               <a:rPr lang="en-US" smtClean="0"/>
-              <a:t>9/16/20</a:t>
+              <a:t>11/13/20</a:t>
             </a:fld>
             <a:endParaRPr lang="en-US"/>
           </a:p>
@@ -1606,7 +1608,7 @@
           <a:p>
             <a:fld id="{54FF0283-3405-0C49-9DF2-C2137628C46D}" type="datetimeFigureOut">
               <a:rPr lang="en-US" smtClean="0"/>
-              <a:t>9/16/20</a:t>
+              <a:t>11/13/20</a:t>
             </a:fld>
             <a:endParaRPr lang="en-US"/>
           </a:p>
@@ -1973,7 +1975,7 @@
           <a:p>
             <a:fld id="{54FF0283-3405-0C49-9DF2-C2137628C46D}" type="datetimeFigureOut">
               <a:rPr lang="en-US" smtClean="0"/>
-              <a:t>9/16/20</a:t>
+              <a:t>11/13/20</a:t>
             </a:fld>
             <a:endParaRPr lang="en-US"/>
           </a:p>
@@ -2091,7 +2093,7 @@
           <a:p>
             <a:fld id="{54FF0283-3405-0C49-9DF2-C2137628C46D}" type="datetimeFigureOut">
               <a:rPr lang="en-US" smtClean="0"/>
-              <a:t>9/16/20</a:t>
+              <a:t>11/13/20</a:t>
             </a:fld>
             <a:endParaRPr lang="en-US"/>
           </a:p>
@@ -2186,7 +2188,7 @@
           <a:p>
             <a:fld id="{54FF0283-3405-0C49-9DF2-C2137628C46D}" type="datetimeFigureOut">
               <a:rPr lang="en-US" smtClean="0"/>
-              <a:t>9/16/20</a:t>
+              <a:t>11/13/20</a:t>
             </a:fld>
             <a:endParaRPr lang="en-US"/>
           </a:p>
@@ -2463,7 +2465,7 @@
           <a:p>
             <a:fld id="{54FF0283-3405-0C49-9DF2-C2137628C46D}" type="datetimeFigureOut">
               <a:rPr lang="en-US" smtClean="0"/>
-              <a:t>9/16/20</a:t>
+              <a:t>11/13/20</a:t>
             </a:fld>
             <a:endParaRPr lang="en-US"/>
           </a:p>
@@ -2716,7 +2718,7 @@
           <a:p>
             <a:fld id="{54FF0283-3405-0C49-9DF2-C2137628C46D}" type="datetimeFigureOut">
               <a:rPr lang="en-US" smtClean="0"/>
-              <a:t>9/16/20</a:t>
+              <a:t>11/13/20</a:t>
             </a:fld>
             <a:endParaRPr lang="en-US"/>
           </a:p>
@@ -2929,7 +2931,7 @@
           <a:p>
             <a:fld id="{54FF0283-3405-0C49-9DF2-C2137628C46D}" type="datetimeFigureOut">
               <a:rPr lang="en-US" smtClean="0"/>
-              <a:t>9/16/20</a:t>
+              <a:t>11/13/20</a:t>
             </a:fld>
             <a:endParaRPr lang="en-US"/>
           </a:p>
@@ -3543,6 +3545,344 @@
       </p:grpSpPr>
       <p:sp>
         <p:nvSpPr>
+          <p:cNvPr id="119" name="Introduction to Computer Programming Lecture 2:…"/>
+          <p:cNvSpPr txBox="1">
+            <a:spLocks noGrp="1"/>
+          </p:cNvSpPr>
+          <p:nvPr>
+            <p:ph type="ctrTitle"/>
+          </p:nvPr>
+        </p:nvSpPr>
+        <p:spPr>
+          <a:xfrm>
+            <a:off x="1656911" y="1632417"/>
+            <a:ext cx="8268577" cy="2321719"/>
+          </a:xfrm>
+          <a:prstGeom prst="rect">
+            <a:avLst/>
+          </a:prstGeom>
+        </p:spPr>
+        <p:txBody>
+          <a:bodyPr>
+            <a:normAutofit fontScale="90000"/>
+          </a:bodyPr>
+          <a:lstStyle/>
+          <a:p>
+            <a:pPr defTabSz="213590">
+              <a:defRPr sz="4160"/>
+            </a:pPr>
+            <a:r>
+              <a:rPr dirty="0"/>
+              <a:t>Introduction to Computer Programming Lecture </a:t>
+            </a:r>
+            <a:r>
+              <a:rPr lang="en-GB" dirty="0" smtClean="0"/>
+              <a:t>8.3.b</a:t>
+            </a:r>
+            <a:r>
+              <a:rPr dirty="0" smtClean="0"/>
+              <a:t>:</a:t>
+            </a:r>
+            <a:endParaRPr dirty="0"/>
+          </a:p>
+          <a:p>
+            <a:pPr defTabSz="213590">
+              <a:defRPr sz="4160"/>
+            </a:pPr>
+            <a:r>
+              <a:rPr dirty="0"/>
+              <a:t> </a:t>
+            </a:r>
+          </a:p>
+          <a:p>
+            <a:pPr defTabSz="213590">
+              <a:defRPr sz="4160" b="1">
+                <a:latin typeface="Helvetica"/>
+                <a:ea typeface="Helvetica"/>
+                <a:cs typeface="Helvetica"/>
+                <a:sym typeface="Helvetica"/>
+              </a:defRPr>
+            </a:pPr>
+            <a:r>
+              <a:rPr lang="en-US" dirty="0" smtClean="0"/>
+              <a:t>Fitting a Function to Imported Data</a:t>
+            </a:r>
+            <a:r>
+              <a:rPr lang="en-US" dirty="0" smtClean="0"/>
+              <a:t/>
+            </a:r>
+            <a:br>
+              <a:rPr lang="en-US" dirty="0" smtClean="0"/>
+            </a:br>
+            <a:endParaRPr dirty="0"/>
+          </a:p>
+        </p:txBody>
+      </p:sp>
+      <p:sp>
+        <p:nvSpPr>
+          <p:cNvPr id="120" name="Department of Engineering Mathematics"/>
+          <p:cNvSpPr txBox="1"/>
+          <p:nvPr/>
+        </p:nvSpPr>
+        <p:spPr>
+          <a:xfrm>
+            <a:off x="2112169" y="4870361"/>
+            <a:ext cx="7358063" cy="794743"/>
+          </a:xfrm>
+          <a:prstGeom prst="rect">
+            <a:avLst/>
+          </a:prstGeom>
+          <a:ln w="12700">
+            <a:miter lim="400000"/>
+          </a:ln>
+          <a:extLst>
+            <a:ext uri="{C572A759-6A51-4108-AA02-DFA0A04FC94B}">
+              <ma14:wrappingTextBoxFlag xmlns:ma14="http://schemas.microsoft.com/office/mac/drawingml/2011/main" val="1"/>
+            </a:ext>
+          </a:extLst>
+        </p:spPr>
+        <p:txBody>
+          <a:bodyPr lIns="35719" tIns="35719" rIns="35719" bIns="35719">
+            <a:normAutofit/>
+          </a:bodyPr>
+          <a:lstStyle/>
+          <a:p>
+            <a:pPr algn="ctr" defTabSz="221806">
+              <a:defRPr sz="2268"/>
+            </a:pPr>
+            <a:r>
+              <a:rPr sz="1595" dirty="0"/>
+              <a:t>Department of Engineering Mathematics</a:t>
+            </a:r>
+          </a:p>
+          <a:p>
+            <a:pPr defTabSz="221806">
+              <a:defRPr sz="2268"/>
+            </a:pPr>
+            <a:endParaRPr sz="1595" dirty="0"/>
+          </a:p>
+        </p:txBody>
+      </p:sp>
+      <p:sp>
+        <p:nvSpPr>
+          <p:cNvPr id="122" name="Helmut Hauser"/>
+          <p:cNvSpPr txBox="1"/>
+          <p:nvPr/>
+        </p:nvSpPr>
+        <p:spPr>
+          <a:xfrm>
+            <a:off x="2255044" y="4472990"/>
+            <a:ext cx="7358063" cy="794742"/>
+          </a:xfrm>
+          <a:prstGeom prst="rect">
+            <a:avLst/>
+          </a:prstGeom>
+          <a:ln w="12700">
+            <a:miter lim="400000"/>
+          </a:ln>
+          <a:extLst>
+            <a:ext uri="{C572A759-6A51-4108-AA02-DFA0A04FC94B}">
+              <ma14:wrappingTextBoxFlag xmlns:ma14="http://schemas.microsoft.com/office/mac/drawingml/2011/main" val="1"/>
+            </a:ext>
+          </a:extLst>
+        </p:spPr>
+        <p:txBody>
+          <a:bodyPr lIns="35719" tIns="35719" rIns="35719" bIns="35719">
+            <a:normAutofit/>
+          </a:bodyPr>
+          <a:lstStyle/>
+          <a:p>
+            <a:pPr algn="ctr" defTabSz="221806">
+              <a:defRPr sz="3294"/>
+            </a:pPr>
+            <a:r>
+              <a:rPr lang="en-GB" sz="2316" dirty="0"/>
+              <a:t>Hemma Philamore </a:t>
+            </a:r>
+            <a:endParaRPr sz="2316" dirty="0"/>
+          </a:p>
+          <a:p>
+            <a:pPr defTabSz="221806">
+              <a:defRPr sz="1728"/>
+            </a:pPr>
+            <a:endParaRPr sz="1215" dirty="0"/>
+          </a:p>
+        </p:txBody>
+      </p:sp>
+    </p:spTree>
+    <p:extLst>
+      <p:ext uri="{BB962C8B-B14F-4D97-AF65-F5344CB8AC3E}">
+        <p14:creationId xmlns:p14="http://schemas.microsoft.com/office/powerpoint/2010/main" val="90731683"/>
+      </p:ext>
+    </p:extLst>
+  </p:cSld>
+  <p:clrMapOvr>
+    <a:masterClrMapping/>
+  </p:clrMapOvr>
+  <mc:AlternateContent xmlns:mc="http://schemas.openxmlformats.org/markup-compatibility/2006" xmlns:p14="http://schemas.microsoft.com/office/powerpoint/2010/main">
+    <mc:Choice Requires="p14">
+      <p:transition spd="slow" p14:dur="2000"/>
+    </mc:Choice>
+    <mc:Fallback xmlns="">
+      <p:transition spd="slow"/>
+    </mc:Fallback>
+  </mc:AlternateContent>
+  <p:timing>
+    <p:tnLst>
+      <p:par>
+        <p:cTn id="1" dur="indefinite" restart="never" nodeType="tmRoot"/>
+      </p:par>
+    </p:tnLst>
+  </p:timing>
+</p:sld>
+</file>
+
+<file path=ppt/slides/slide11.xml><?xml version="1.0" encoding="utf-8"?>
+<p:sld xmlns:a="http://schemas.openxmlformats.org/drawingml/2006/main" xmlns:r="http://schemas.openxmlformats.org/officeDocument/2006/relationships" xmlns:p="http://schemas.openxmlformats.org/presentationml/2006/main">
+  <p:cSld>
+    <p:spTree>
+      <p:nvGrpSpPr>
+        <p:cNvPr id="1" name=""/>
+        <p:cNvGrpSpPr/>
+        <p:nvPr/>
+      </p:nvGrpSpPr>
+      <p:grpSpPr>
+        <a:xfrm>
+          <a:off x="0" y="0"/>
+          <a:ext cx="0" cy="0"/>
+          <a:chOff x="0" y="0"/>
+          <a:chExt cx="0" cy="0"/>
+        </a:xfrm>
+      </p:grpSpPr>
+      <p:pic>
+        <p:nvPicPr>
+          <p:cNvPr id="3" name="Picture 2"/>
+          <p:cNvPicPr>
+            <a:picLocks noChangeAspect="1"/>
+          </p:cNvPicPr>
+          <p:nvPr/>
+        </p:nvPicPr>
+        <p:blipFill>
+          <a:blip r:embed="rId2"/>
+          <a:stretch>
+            <a:fillRect/>
+          </a:stretch>
+        </p:blipFill>
+        <p:spPr>
+          <a:xfrm>
+            <a:off x="869950" y="3764881"/>
+            <a:ext cx="10452100" cy="2247900"/>
+          </a:xfrm>
+          <a:prstGeom prst="rect">
+            <a:avLst/>
+          </a:prstGeom>
+        </p:spPr>
+      </p:pic>
+      <p:pic>
+        <p:nvPicPr>
+          <p:cNvPr id="6" name="Picture 5"/>
+          <p:cNvPicPr>
+            <a:picLocks noChangeAspect="1"/>
+          </p:cNvPicPr>
+          <p:nvPr/>
+        </p:nvPicPr>
+        <p:blipFill>
+          <a:blip r:embed="rId3"/>
+          <a:stretch>
+            <a:fillRect/>
+          </a:stretch>
+        </p:blipFill>
+        <p:spPr>
+          <a:xfrm>
+            <a:off x="927933" y="1846950"/>
+            <a:ext cx="10045700" cy="1041400"/>
+          </a:xfrm>
+          <a:prstGeom prst="rect">
+            <a:avLst/>
+          </a:prstGeom>
+        </p:spPr>
+      </p:pic>
+      <p:sp>
+        <p:nvSpPr>
+          <p:cNvPr id="5" name="Reading/Writing files"/>
+          <p:cNvSpPr txBox="1"/>
+          <p:nvPr/>
+        </p:nvSpPr>
+        <p:spPr>
+          <a:xfrm>
+            <a:off x="2874097" y="205787"/>
+            <a:ext cx="6153373" cy="764633"/>
+          </a:xfrm>
+          <a:prstGeom prst="rect">
+            <a:avLst/>
+          </a:prstGeom>
+          <a:ln w="12700">
+            <a:miter lim="400000"/>
+          </a:ln>
+          <a:extLst>
+            <a:ext uri="{C572A759-6A51-4108-AA02-DFA0A04FC94B}">
+              <ma14:wrappingTextBoxFlag xmlns:ma14="http://schemas.microsoft.com/office/mac/drawingml/2011/main" val="1"/>
+            </a:ext>
+          </a:extLst>
+        </p:spPr>
+        <p:txBody>
+          <a:bodyPr wrap="square" lIns="35719" tIns="35719" rIns="35719" bIns="35719" anchor="ctr">
+            <a:spAutoFit/>
+          </a:bodyPr>
+          <a:lstStyle>
+            <a:lvl1pPr>
+              <a:defRPr sz="6400"/>
+            </a:lvl1pPr>
+          </a:lstStyle>
+          <a:p>
+            <a:pPr algn="ctr"/>
+            <a:r>
+              <a:rPr lang="en-GB" sz="4500" dirty="0" smtClean="0"/>
+              <a:t>Importing data</a:t>
+            </a:r>
+            <a:endParaRPr sz="4500" dirty="0"/>
+          </a:p>
+        </p:txBody>
+      </p:sp>
+    </p:spTree>
+    <p:extLst>
+      <p:ext uri="{BB962C8B-B14F-4D97-AF65-F5344CB8AC3E}">
+        <p14:creationId xmlns:p14="http://schemas.microsoft.com/office/powerpoint/2010/main" val="334699671"/>
+      </p:ext>
+    </p:extLst>
+  </p:cSld>
+  <p:clrMapOvr>
+    <a:masterClrMapping/>
+  </p:clrMapOvr>
+  <p:timing>
+    <p:tnLst>
+      <p:par>
+        <p:cTn id="1" dur="indefinite" restart="never" nodeType="tmRoot"/>
+      </p:par>
+    </p:tnLst>
+  </p:timing>
+</p:sld>
+</file>
+
+<file path=ppt/slides/slide12.xml><?xml version="1.0" encoding="utf-8"?>
+<p:sld xmlns:a="http://schemas.openxmlformats.org/drawingml/2006/main" xmlns:r="http://schemas.openxmlformats.org/officeDocument/2006/relationships" xmlns:p="http://schemas.openxmlformats.org/presentationml/2006/main">
+  <p:cSld>
+    <p:spTree>
+      <p:nvGrpSpPr>
+        <p:cNvPr id="1" name=""/>
+        <p:cNvGrpSpPr/>
+        <p:nvPr/>
+      </p:nvGrpSpPr>
+      <p:grpSpPr>
+        <a:xfrm>
+          <a:off x="0" y="0"/>
+          <a:ext cx="0" cy="0"/>
+          <a:chOff x="0" y="0"/>
+          <a:chExt cx="0" cy="0"/>
+        </a:xfrm>
+      </p:grpSpPr>
+      <p:sp>
+        <p:nvSpPr>
           <p:cNvPr id="4" name="Reading/Writing files"/>
           <p:cNvSpPr txBox="1"/>
           <p:nvPr/>
@@ -4431,7 +4771,7 @@
 </p:sld>
 </file>
 
-<file path=ppt/slides/slide11.xml><?xml version="1.0" encoding="utf-8"?>
+<file path=ppt/slides/slide13.xml><?xml version="1.0" encoding="utf-8"?>
 <p:sld xmlns:a="http://schemas.openxmlformats.org/drawingml/2006/main" xmlns:r="http://schemas.openxmlformats.org/officeDocument/2006/relationships" xmlns:p="http://schemas.openxmlformats.org/presentationml/2006/main">
   <p:cSld>
     <p:spTree>
@@ -4862,7 +5202,7 @@
 </p:sld>
 </file>
 
-<file path=ppt/slides/slide12.xml><?xml version="1.0" encoding="utf-8"?>
+<file path=ppt/slides/slide14.xml><?xml version="1.0" encoding="utf-8"?>
 <p:sld xmlns:a="http://schemas.openxmlformats.org/drawingml/2006/main" xmlns:r="http://schemas.openxmlformats.org/officeDocument/2006/relationships" xmlns:p="http://schemas.openxmlformats.org/presentationml/2006/main">
   <p:cSld>
     <p:spTree>
@@ -6006,7 +6346,7 @@
 </p:sld>
 </file>
 
-<file path=ppt/slides/slide13.xml><?xml version="1.0" encoding="utf-8"?>
+<file path=ppt/slides/slide15.xml><?xml version="1.0" encoding="utf-8"?>
 <p:sld xmlns:a="http://schemas.openxmlformats.org/drawingml/2006/main" xmlns:r="http://schemas.openxmlformats.org/officeDocument/2006/relationships" xmlns:p="http://schemas.openxmlformats.org/presentationml/2006/main">
   <p:cSld>
     <p:spTree>
@@ -6067,11 +6407,7 @@
             </a:r>
             <a:r>
               <a:rPr lang="en-GB" sz="4500" dirty="0" smtClean="0"/>
-              <a:t>: </a:t>
-            </a:r>
-            <a:r>
-              <a:rPr lang="en-GB" sz="4500" dirty="0" smtClean="0"/>
-              <a:t>multiple variables</a:t>
+              <a:t>: multiple variables</a:t>
             </a:r>
             <a:endParaRPr sz="4500" dirty="0"/>
           </a:p>
@@ -6523,6 +6859,217 @@
 </file>
 
 <file path=ppt/slides/slide2.xml><?xml version="1.0" encoding="utf-8"?>
+<p:sld xmlns:a="http://schemas.openxmlformats.org/drawingml/2006/main" xmlns:r="http://schemas.openxmlformats.org/officeDocument/2006/relationships" xmlns:p="http://schemas.openxmlformats.org/presentationml/2006/main">
+  <p:cSld>
+    <p:spTree>
+      <p:nvGrpSpPr>
+        <p:cNvPr id="1" name=""/>
+        <p:cNvGrpSpPr/>
+        <p:nvPr/>
+      </p:nvGrpSpPr>
+      <p:grpSpPr>
+        <a:xfrm>
+          <a:off x="0" y="0"/>
+          <a:ext cx="0" cy="0"/>
+          <a:chOff x="0" y="0"/>
+          <a:chExt cx="0" cy="0"/>
+        </a:xfrm>
+      </p:grpSpPr>
+      <p:sp>
+        <p:nvSpPr>
+          <p:cNvPr id="119" name="Introduction to Computer Programming Lecture 2:…"/>
+          <p:cNvSpPr txBox="1">
+            <a:spLocks noGrp="1"/>
+          </p:cNvSpPr>
+          <p:nvPr>
+            <p:ph type="ctrTitle"/>
+          </p:nvPr>
+        </p:nvSpPr>
+        <p:spPr>
+          <a:xfrm>
+            <a:off x="2255044" y="1840964"/>
+            <a:ext cx="7358063" cy="2321719"/>
+          </a:xfrm>
+          <a:prstGeom prst="rect">
+            <a:avLst/>
+          </a:prstGeom>
+        </p:spPr>
+        <p:txBody>
+          <a:bodyPr>
+            <a:normAutofit fontScale="90000"/>
+          </a:bodyPr>
+          <a:lstStyle/>
+          <a:p>
+            <a:pPr defTabSz="213590">
+              <a:defRPr sz="4160"/>
+            </a:pPr>
+            <a:r>
+              <a:rPr dirty="0"/>
+              <a:t>Introduction to Computer Programming Lecture </a:t>
+            </a:r>
+            <a:r>
+              <a:rPr lang="en-GB" dirty="0" smtClean="0"/>
+              <a:t>8.3.a</a:t>
+            </a:r>
+            <a:r>
+              <a:rPr dirty="0" smtClean="0"/>
+              <a:t>:</a:t>
+            </a:r>
+            <a:endParaRPr dirty="0"/>
+          </a:p>
+          <a:p>
+            <a:pPr defTabSz="213590">
+              <a:defRPr sz="4160"/>
+            </a:pPr>
+            <a:r>
+              <a:rPr dirty="0"/>
+              <a:t> </a:t>
+            </a:r>
+          </a:p>
+          <a:p>
+            <a:pPr defTabSz="213590">
+              <a:defRPr sz="4160" b="1">
+                <a:latin typeface="Helvetica"/>
+                <a:ea typeface="Helvetica"/>
+                <a:cs typeface="Helvetica"/>
+                <a:sym typeface="Helvetica"/>
+              </a:defRPr>
+            </a:pPr>
+            <a:r>
+              <a:rPr lang="en-US" dirty="0" smtClean="0"/>
+              <a:t>Fitting a Function to Data</a:t>
+            </a:r>
+            <a:r>
+              <a:rPr lang="en-US" dirty="0" smtClean="0"/>
+              <a:t/>
+            </a:r>
+            <a:br>
+              <a:rPr lang="en-US" dirty="0" smtClean="0"/>
+            </a:br>
+            <a:endParaRPr dirty="0"/>
+          </a:p>
+        </p:txBody>
+      </p:sp>
+      <p:sp>
+        <p:nvSpPr>
+          <p:cNvPr id="120" name="Department of Engineering Mathematics"/>
+          <p:cNvSpPr txBox="1"/>
+          <p:nvPr/>
+        </p:nvSpPr>
+        <p:spPr>
+          <a:xfrm>
+            <a:off x="2112169" y="4870361"/>
+            <a:ext cx="7358063" cy="794743"/>
+          </a:xfrm>
+          <a:prstGeom prst="rect">
+            <a:avLst/>
+          </a:prstGeom>
+          <a:ln w="12700">
+            <a:miter lim="400000"/>
+          </a:ln>
+          <a:extLst>
+            <a:ext uri="{C572A759-6A51-4108-AA02-DFA0A04FC94B}">
+              <ma14:wrappingTextBoxFlag xmlns:ma14="http://schemas.microsoft.com/office/mac/drawingml/2011/main" val="1"/>
+            </a:ext>
+          </a:extLst>
+        </p:spPr>
+        <p:txBody>
+          <a:bodyPr lIns="35719" tIns="35719" rIns="35719" bIns="35719">
+            <a:normAutofit/>
+          </a:bodyPr>
+          <a:lstStyle/>
+          <a:p>
+            <a:pPr algn="ctr" defTabSz="221806">
+              <a:defRPr sz="2268"/>
+            </a:pPr>
+            <a:r>
+              <a:rPr sz="1595" dirty="0"/>
+              <a:t>Department of Engineering Mathematics</a:t>
+            </a:r>
+          </a:p>
+          <a:p>
+            <a:pPr defTabSz="221806">
+              <a:defRPr sz="2268"/>
+            </a:pPr>
+            <a:endParaRPr sz="1595" dirty="0"/>
+          </a:p>
+        </p:txBody>
+      </p:sp>
+      <p:sp>
+        <p:nvSpPr>
+          <p:cNvPr id="122" name="Helmut Hauser"/>
+          <p:cNvSpPr txBox="1"/>
+          <p:nvPr/>
+        </p:nvSpPr>
+        <p:spPr>
+          <a:xfrm>
+            <a:off x="2255044" y="4472990"/>
+            <a:ext cx="7358063" cy="794742"/>
+          </a:xfrm>
+          <a:prstGeom prst="rect">
+            <a:avLst/>
+          </a:prstGeom>
+          <a:ln w="12700">
+            <a:miter lim="400000"/>
+          </a:ln>
+          <a:extLst>
+            <a:ext uri="{C572A759-6A51-4108-AA02-DFA0A04FC94B}">
+              <ma14:wrappingTextBoxFlag xmlns:ma14="http://schemas.microsoft.com/office/mac/drawingml/2011/main" val="1"/>
+            </a:ext>
+          </a:extLst>
+        </p:spPr>
+        <p:txBody>
+          <a:bodyPr lIns="35719" tIns="35719" rIns="35719" bIns="35719">
+            <a:normAutofit/>
+          </a:bodyPr>
+          <a:lstStyle/>
+          <a:p>
+            <a:pPr algn="ctr" defTabSz="221806">
+              <a:defRPr sz="3294"/>
+            </a:pPr>
+            <a:r>
+              <a:rPr lang="en-GB" sz="2316" dirty="0"/>
+              <a:t>Hemma Philamore </a:t>
+            </a:r>
+            <a:endParaRPr sz="2316" dirty="0"/>
+          </a:p>
+          <a:p>
+            <a:pPr defTabSz="221806">
+              <a:defRPr sz="1728"/>
+            </a:pPr>
+            <a:endParaRPr sz="1215" dirty="0"/>
+          </a:p>
+        </p:txBody>
+      </p:sp>
+    </p:spTree>
+    <p:extLst>
+      <p:ext uri="{BB962C8B-B14F-4D97-AF65-F5344CB8AC3E}">
+        <p14:creationId xmlns:p14="http://schemas.microsoft.com/office/powerpoint/2010/main" val="1404004678"/>
+      </p:ext>
+    </p:extLst>
+  </p:cSld>
+  <p:clrMapOvr>
+    <a:masterClrMapping/>
+  </p:clrMapOvr>
+  <mc:AlternateContent xmlns:mc="http://schemas.openxmlformats.org/markup-compatibility/2006" xmlns:p14="http://schemas.microsoft.com/office/powerpoint/2010/main">
+    <mc:Choice Requires="p14">
+      <p:transition spd="slow" p14:dur="2000"/>
+    </mc:Choice>
+    <mc:Fallback xmlns="">
+      <p:transition spd="slow"/>
+    </mc:Fallback>
+  </mc:AlternateContent>
+  <p:timing>
+    <p:tnLst>
+      <p:par>
+        <p:cTn id="1" dur="indefinite" restart="never" nodeType="tmRoot"/>
+      </p:par>
+    </p:tnLst>
+  </p:timing>
+</p:sld>
+</file>
+
+<file path=ppt/slides/slide3.xml><?xml version="1.0" encoding="utf-8"?>
 <p:sld xmlns:a="http://schemas.openxmlformats.org/drawingml/2006/main" xmlns:r="http://schemas.openxmlformats.org/officeDocument/2006/relationships" xmlns:p="http://schemas.openxmlformats.org/presentationml/2006/main">
   <p:cSld>
     <p:spTree>
@@ -6970,7 +7517,7 @@
 </p:sld>
 </file>
 
-<file path=ppt/slides/slide3.xml><?xml version="1.0" encoding="utf-8"?>
+<file path=ppt/slides/slide4.xml><?xml version="1.0" encoding="utf-8"?>
 <p:sld xmlns:a="http://schemas.openxmlformats.org/drawingml/2006/main" xmlns:r="http://schemas.openxmlformats.org/officeDocument/2006/relationships" xmlns:p="http://schemas.openxmlformats.org/presentationml/2006/main">
   <p:cSld>
     <p:spTree>
@@ -7230,7 +7777,7 @@
 </p:sld>
 </file>
 
-<file path=ppt/slides/slide4.xml><?xml version="1.0" encoding="utf-8"?>
+<file path=ppt/slides/slide5.xml><?xml version="1.0" encoding="utf-8"?>
 <p:sld xmlns:a="http://schemas.openxmlformats.org/drawingml/2006/main" xmlns:r="http://schemas.openxmlformats.org/officeDocument/2006/relationships" xmlns:p="http://schemas.openxmlformats.org/presentationml/2006/main">
   <p:cSld>
     <p:spTree>
@@ -7801,577 +8348,6 @@
     <p:extLst>
       <p:ext uri="{BB962C8B-B14F-4D97-AF65-F5344CB8AC3E}">
         <p14:creationId xmlns:p14="http://schemas.microsoft.com/office/powerpoint/2010/main" val="2091753932"/>
-      </p:ext>
-    </p:extLst>
-  </p:cSld>
-  <p:clrMapOvr>
-    <a:masterClrMapping/>
-  </p:clrMapOvr>
-  <p:timing>
-    <p:tnLst>
-      <p:par>
-        <p:cTn id="1" dur="indefinite" restart="never" nodeType="tmRoot"/>
-      </p:par>
-    </p:tnLst>
-  </p:timing>
-</p:sld>
-</file>
-
-<file path=ppt/slides/slide5.xml><?xml version="1.0" encoding="utf-8"?>
-<p:sld xmlns:a="http://schemas.openxmlformats.org/drawingml/2006/main" xmlns:r="http://schemas.openxmlformats.org/officeDocument/2006/relationships" xmlns:p="http://schemas.openxmlformats.org/presentationml/2006/main">
-  <p:cSld>
-    <p:spTree>
-      <p:nvGrpSpPr>
-        <p:cNvPr id="1" name=""/>
-        <p:cNvGrpSpPr/>
-        <p:nvPr/>
-      </p:nvGrpSpPr>
-      <p:grpSpPr>
-        <a:xfrm>
-          <a:off x="0" y="0"/>
-          <a:ext cx="0" cy="0"/>
-          <a:chOff x="0" y="0"/>
-          <a:chExt cx="0" cy="0"/>
-        </a:xfrm>
-      </p:grpSpPr>
-      <p:sp>
-        <p:nvSpPr>
-          <p:cNvPr id="5" name="Reading/Writing files"/>
-          <p:cNvSpPr txBox="1"/>
-          <p:nvPr/>
-        </p:nvSpPr>
-        <p:spPr>
-          <a:xfrm>
-            <a:off x="2404197" y="459787"/>
-            <a:ext cx="7362103" cy="764633"/>
-          </a:xfrm>
-          <a:prstGeom prst="rect">
-            <a:avLst/>
-          </a:prstGeom>
-          <a:ln w="12700">
-            <a:miter lim="400000"/>
-          </a:ln>
-          <a:extLst>
-            <a:ext uri="{C572A759-6A51-4108-AA02-DFA0A04FC94B}">
-              <ma14:wrappingTextBoxFlag xmlns:ma14="http://schemas.microsoft.com/office/mac/drawingml/2011/main" val="1"/>
-            </a:ext>
-          </a:extLst>
-        </p:spPr>
-        <p:txBody>
-          <a:bodyPr wrap="square" lIns="35719" tIns="35719" rIns="35719" bIns="35719" anchor="ctr">
-            <a:spAutoFit/>
-          </a:bodyPr>
-          <a:lstStyle>
-            <a:lvl1pPr>
-              <a:defRPr sz="6400"/>
-            </a:lvl1pPr>
-          </a:lstStyle>
-          <a:p>
-            <a:pPr algn="ctr"/>
-            <a:r>
-              <a:rPr lang="en-GB" sz="4500" dirty="0" smtClean="0"/>
-              <a:t>Fitting a </a:t>
-            </a:r>
-            <a:r>
-              <a:rPr lang="en-GB" sz="4500" smtClean="0"/>
-              <a:t>Polynomial Function</a:t>
-            </a:r>
-            <a:endParaRPr sz="4500" dirty="0"/>
-          </a:p>
-        </p:txBody>
-      </p:sp>
-      <p:sp>
-        <p:nvSpPr>
-          <p:cNvPr id="8" name="init functions is called, self.Num = 3 and self.Den = 4"/>
-          <p:cNvSpPr/>
-          <p:nvPr/>
-        </p:nvSpPr>
-        <p:spPr>
-          <a:xfrm flipH="1">
-            <a:off x="1285746" y="2714666"/>
-            <a:ext cx="2270254" cy="721073"/>
-          </a:xfrm>
-          <a:custGeom>
-            <a:avLst/>
-            <a:gdLst/>
-            <a:ahLst/>
-            <a:cxnLst>
-              <a:cxn ang="0">
-                <a:pos x="wd2" y="hd2"/>
-              </a:cxn>
-              <a:cxn ang="5400000">
-                <a:pos x="wd2" y="hd2"/>
-              </a:cxn>
-              <a:cxn ang="10800000">
-                <a:pos x="wd2" y="hd2"/>
-              </a:cxn>
-              <a:cxn ang="16200000">
-                <a:pos x="wd2" y="hd2"/>
-              </a:cxn>
-            </a:cxnLst>
-            <a:rect l="0" t="0" r="r" b="b"/>
-            <a:pathLst>
-              <a:path w="21600" h="21600" extrusionOk="0">
-                <a:moveTo>
-                  <a:pt x="4419" y="0"/>
-                </a:moveTo>
-                <a:cubicBezTo>
-                  <a:pt x="4147" y="0"/>
-                  <a:pt x="3927" y="1432"/>
-                  <a:pt x="3927" y="3205"/>
-                </a:cubicBezTo>
-                <a:lnTo>
-                  <a:pt x="3927" y="12665"/>
-                </a:lnTo>
-                <a:lnTo>
-                  <a:pt x="0" y="21600"/>
-                </a:lnTo>
-                <a:lnTo>
-                  <a:pt x="4297" y="17678"/>
-                </a:lnTo>
-                <a:cubicBezTo>
-                  <a:pt x="4337" y="17747"/>
-                  <a:pt x="4376" y="17841"/>
-                  <a:pt x="4419" y="17841"/>
-                </a:cubicBezTo>
-                <a:lnTo>
-                  <a:pt x="21106" y="17841"/>
-                </a:lnTo>
-                <a:cubicBezTo>
-                  <a:pt x="21379" y="17841"/>
-                  <a:pt x="21600" y="16408"/>
-                  <a:pt x="21600" y="14636"/>
-                </a:cubicBezTo>
-                <a:lnTo>
-                  <a:pt x="21600" y="3205"/>
-                </a:lnTo>
-                <a:cubicBezTo>
-                  <a:pt x="21600" y="1432"/>
-                  <a:pt x="21379" y="0"/>
-                  <a:pt x="21106" y="0"/>
-                </a:cubicBezTo>
-                <a:lnTo>
-                  <a:pt x="4419" y="0"/>
-                </a:lnTo>
-                <a:close/>
-              </a:path>
-            </a:pathLst>
-          </a:custGeom>
-          <a:blipFill>
-            <a:blip r:embed="rId2"/>
-          </a:blipFill>
-          <a:ln w="12700">
-            <a:miter lim="400000"/>
-          </a:ln>
-          <a:effectLst>
-            <a:outerShdw blurRad="25400" dist="25400" dir="2388334" rotWithShape="0">
-              <a:srgbClr val="000000">
-                <a:alpha val="79310"/>
-              </a:srgbClr>
-            </a:outerShdw>
-          </a:effectLst>
-          <a:extLst>
-            <a:ext uri="{C572A759-6A51-4108-AA02-DFA0A04FC94B}">
-              <ma14:wrappingTextBoxFlag xmlns:ma14="http://schemas.microsoft.com/office/mac/drawingml/2011/main" val="1"/>
-            </a:ext>
-          </a:extLst>
-        </p:spPr>
-        <p:txBody>
-          <a:bodyPr lIns="50800" tIns="50800" rIns="50800" bIns="50800" anchor="t"/>
-          <a:lstStyle/>
-          <a:p>
-            <a:pPr algn="r">
-              <a:defRPr sz="1800">
-                <a:solidFill>
-                  <a:srgbClr val="FFFFFF"/>
-                </a:solidFill>
-              </a:defRPr>
-            </a:pPr>
-            <a:endParaRPr b="1" i="1" dirty="0">
-              <a:latin typeface="Helvetica"/>
-              <a:ea typeface="Helvetica"/>
-              <a:cs typeface="Helvetica"/>
-              <a:sym typeface="Helvetica"/>
-            </a:endParaRPr>
-          </a:p>
-        </p:txBody>
-      </p:sp>
-      <p:sp>
-        <p:nvSpPr>
-          <p:cNvPr id="9" name="Rectangle 8"/>
-          <p:cNvSpPr/>
-          <p:nvPr/>
-        </p:nvSpPr>
-        <p:spPr>
-          <a:xfrm>
-            <a:off x="1343328" y="2714666"/>
-            <a:ext cx="1829899" cy="646331"/>
-          </a:xfrm>
-          <a:prstGeom prst="rect">
-            <a:avLst/>
-          </a:prstGeom>
-        </p:spPr>
-        <p:txBody>
-          <a:bodyPr wrap="square">
-            <a:spAutoFit/>
-          </a:bodyPr>
-          <a:lstStyle/>
-          <a:p>
-            <a:pPr>
-              <a:defRPr sz="1800">
-                <a:solidFill>
-                  <a:srgbClr val="FFFFFF"/>
-                </a:solidFill>
-              </a:defRPr>
-            </a:pPr>
-            <a:r>
-              <a:rPr lang="en-GB" dirty="0" smtClean="0"/>
-              <a:t>3 coefficients, 3 variables </a:t>
-            </a:r>
-            <a:endParaRPr lang="en-GB" dirty="0"/>
-          </a:p>
-        </p:txBody>
-      </p:sp>
-      <p:sp>
-        <p:nvSpPr>
-          <p:cNvPr id="11" name="init functions is called, self.Num = 3 and self.Den = 4"/>
-          <p:cNvSpPr/>
-          <p:nvPr/>
-        </p:nvSpPr>
-        <p:spPr>
-          <a:xfrm flipH="1" flipV="1">
-            <a:off x="1285746" y="4364177"/>
-            <a:ext cx="2270254" cy="1033505"/>
-          </a:xfrm>
-          <a:custGeom>
-            <a:avLst/>
-            <a:gdLst/>
-            <a:ahLst/>
-            <a:cxnLst>
-              <a:cxn ang="0">
-                <a:pos x="wd2" y="hd2"/>
-              </a:cxn>
-              <a:cxn ang="5400000">
-                <a:pos x="wd2" y="hd2"/>
-              </a:cxn>
-              <a:cxn ang="10800000">
-                <a:pos x="wd2" y="hd2"/>
-              </a:cxn>
-              <a:cxn ang="16200000">
-                <a:pos x="wd2" y="hd2"/>
-              </a:cxn>
-            </a:cxnLst>
-            <a:rect l="0" t="0" r="r" b="b"/>
-            <a:pathLst>
-              <a:path w="21600" h="21600" extrusionOk="0">
-                <a:moveTo>
-                  <a:pt x="4419" y="0"/>
-                </a:moveTo>
-                <a:cubicBezTo>
-                  <a:pt x="4147" y="0"/>
-                  <a:pt x="3927" y="1432"/>
-                  <a:pt x="3927" y="3205"/>
-                </a:cubicBezTo>
-                <a:lnTo>
-                  <a:pt x="3927" y="12665"/>
-                </a:lnTo>
-                <a:lnTo>
-                  <a:pt x="0" y="21600"/>
-                </a:lnTo>
-                <a:lnTo>
-                  <a:pt x="4297" y="17678"/>
-                </a:lnTo>
-                <a:cubicBezTo>
-                  <a:pt x="4337" y="17747"/>
-                  <a:pt x="4376" y="17841"/>
-                  <a:pt x="4419" y="17841"/>
-                </a:cubicBezTo>
-                <a:lnTo>
-                  <a:pt x="21106" y="17841"/>
-                </a:lnTo>
-                <a:cubicBezTo>
-                  <a:pt x="21379" y="17841"/>
-                  <a:pt x="21600" y="16408"/>
-                  <a:pt x="21600" y="14636"/>
-                </a:cubicBezTo>
-                <a:lnTo>
-                  <a:pt x="21600" y="3205"/>
-                </a:lnTo>
-                <a:cubicBezTo>
-                  <a:pt x="21600" y="1432"/>
-                  <a:pt x="21379" y="0"/>
-                  <a:pt x="21106" y="0"/>
-                </a:cubicBezTo>
-                <a:lnTo>
-                  <a:pt x="4419" y="0"/>
-                </a:lnTo>
-                <a:close/>
-              </a:path>
-            </a:pathLst>
-          </a:custGeom>
-          <a:blipFill>
-            <a:blip r:embed="rId2"/>
-          </a:blipFill>
-          <a:ln w="12700">
-            <a:miter lim="400000"/>
-          </a:ln>
-          <a:effectLst>
-            <a:outerShdw blurRad="25400" dist="25400" dir="2388334" rotWithShape="0">
-              <a:srgbClr val="000000">
-                <a:alpha val="79310"/>
-              </a:srgbClr>
-            </a:outerShdw>
-          </a:effectLst>
-          <a:extLst>
-            <a:ext uri="{C572A759-6A51-4108-AA02-DFA0A04FC94B}">
-              <ma14:wrappingTextBoxFlag xmlns:ma14="http://schemas.microsoft.com/office/mac/drawingml/2011/main" val="1"/>
-            </a:ext>
-          </a:extLst>
-        </p:spPr>
-        <p:txBody>
-          <a:bodyPr lIns="50800" tIns="50800" rIns="50800" bIns="50800" anchor="t"/>
-          <a:lstStyle/>
-          <a:p>
-            <a:pPr algn="r">
-              <a:defRPr sz="1800">
-                <a:solidFill>
-                  <a:srgbClr val="FFFFFF"/>
-                </a:solidFill>
-              </a:defRPr>
-            </a:pPr>
-            <a:endParaRPr b="1" i="1" dirty="0">
-              <a:latin typeface="Helvetica"/>
-              <a:ea typeface="Helvetica"/>
-              <a:cs typeface="Helvetica"/>
-              <a:sym typeface="Helvetica"/>
-            </a:endParaRPr>
-          </a:p>
-        </p:txBody>
-      </p:sp>
-      <p:sp>
-        <p:nvSpPr>
-          <p:cNvPr id="12" name="Rectangle 11"/>
-          <p:cNvSpPr/>
-          <p:nvPr/>
-        </p:nvSpPr>
-        <p:spPr>
-          <a:xfrm>
-            <a:off x="1343328" y="4550734"/>
-            <a:ext cx="1829899" cy="923330"/>
-          </a:xfrm>
-          <a:prstGeom prst="rect">
-            <a:avLst/>
-          </a:prstGeom>
-        </p:spPr>
-        <p:txBody>
-          <a:bodyPr wrap="square">
-            <a:spAutoFit/>
-          </a:bodyPr>
-          <a:lstStyle/>
-          <a:p>
-            <a:pPr>
-              <a:defRPr sz="1800">
-                <a:solidFill>
-                  <a:srgbClr val="FFFFFF"/>
-                </a:solidFill>
-              </a:defRPr>
-            </a:pPr>
-            <a:r>
-              <a:rPr lang="en-GB" dirty="0" smtClean="0"/>
-              <a:t>3 coefficients, 1 data structure, 3 elements</a:t>
-            </a:r>
-            <a:endParaRPr lang="en-GB" dirty="0"/>
-          </a:p>
-        </p:txBody>
-      </p:sp>
-      <p:pic>
-        <p:nvPicPr>
-          <p:cNvPr id="2" name="Picture 1"/>
-          <p:cNvPicPr>
-            <a:picLocks noChangeAspect="1"/>
-          </p:cNvPicPr>
-          <p:nvPr/>
-        </p:nvPicPr>
-        <p:blipFill>
-          <a:blip r:embed="rId3"/>
-          <a:stretch>
-            <a:fillRect/>
-          </a:stretch>
-        </p:blipFill>
-        <p:spPr>
-          <a:xfrm>
-            <a:off x="3556000" y="2449016"/>
-            <a:ext cx="4800600" cy="2269034"/>
-          </a:xfrm>
-          <a:prstGeom prst="rect">
-            <a:avLst/>
-          </a:prstGeom>
-        </p:spPr>
-      </p:pic>
-      <p:sp>
-        <p:nvSpPr>
-          <p:cNvPr id="15" name="init functions is called, self.Num = 3 and self.Den = 4"/>
-          <p:cNvSpPr/>
-          <p:nvPr/>
-        </p:nvSpPr>
-        <p:spPr>
-          <a:xfrm flipH="1">
-            <a:off x="1280919" y="1681161"/>
-            <a:ext cx="2270254" cy="1033505"/>
-          </a:xfrm>
-          <a:custGeom>
-            <a:avLst/>
-            <a:gdLst/>
-            <a:ahLst/>
-            <a:cxnLst>
-              <a:cxn ang="0">
-                <a:pos x="wd2" y="hd2"/>
-              </a:cxn>
-              <a:cxn ang="5400000">
-                <a:pos x="wd2" y="hd2"/>
-              </a:cxn>
-              <a:cxn ang="10800000">
-                <a:pos x="wd2" y="hd2"/>
-              </a:cxn>
-              <a:cxn ang="16200000">
-                <a:pos x="wd2" y="hd2"/>
-              </a:cxn>
-            </a:cxnLst>
-            <a:rect l="0" t="0" r="r" b="b"/>
-            <a:pathLst>
-              <a:path w="21600" h="21600" extrusionOk="0">
-                <a:moveTo>
-                  <a:pt x="4419" y="0"/>
-                </a:moveTo>
-                <a:cubicBezTo>
-                  <a:pt x="4147" y="0"/>
-                  <a:pt x="3927" y="1432"/>
-                  <a:pt x="3927" y="3205"/>
-                </a:cubicBezTo>
-                <a:lnTo>
-                  <a:pt x="3927" y="12665"/>
-                </a:lnTo>
-                <a:lnTo>
-                  <a:pt x="0" y="21600"/>
-                </a:lnTo>
-                <a:lnTo>
-                  <a:pt x="4297" y="17678"/>
-                </a:lnTo>
-                <a:cubicBezTo>
-                  <a:pt x="4337" y="17747"/>
-                  <a:pt x="4376" y="17841"/>
-                  <a:pt x="4419" y="17841"/>
-                </a:cubicBezTo>
-                <a:lnTo>
-                  <a:pt x="21106" y="17841"/>
-                </a:lnTo>
-                <a:cubicBezTo>
-                  <a:pt x="21379" y="17841"/>
-                  <a:pt x="21600" y="16408"/>
-                  <a:pt x="21600" y="14636"/>
-                </a:cubicBezTo>
-                <a:lnTo>
-                  <a:pt x="21600" y="3205"/>
-                </a:lnTo>
-                <a:cubicBezTo>
-                  <a:pt x="21600" y="1432"/>
-                  <a:pt x="21379" y="0"/>
-                  <a:pt x="21106" y="0"/>
-                </a:cubicBezTo>
-                <a:lnTo>
-                  <a:pt x="4419" y="0"/>
-                </a:lnTo>
-                <a:close/>
-              </a:path>
-            </a:pathLst>
-          </a:custGeom>
-          <a:blipFill>
-            <a:blip r:embed="rId2"/>
-          </a:blipFill>
-          <a:ln w="12700">
-            <a:miter lim="400000"/>
-          </a:ln>
-          <a:effectLst>
-            <a:outerShdw blurRad="25400" dist="25400" dir="2388334" rotWithShape="0">
-              <a:srgbClr val="000000">
-                <a:alpha val="79310"/>
-              </a:srgbClr>
-            </a:outerShdw>
-          </a:effectLst>
-          <a:extLst>
-            <a:ext uri="{C572A759-6A51-4108-AA02-DFA0A04FC94B}">
-              <ma14:wrappingTextBoxFlag xmlns:ma14="http://schemas.microsoft.com/office/mac/drawingml/2011/main" val="1"/>
-            </a:ext>
-          </a:extLst>
-        </p:spPr>
-        <p:txBody>
-          <a:bodyPr lIns="50800" tIns="50800" rIns="50800" bIns="50800" anchor="t"/>
-          <a:lstStyle/>
-          <a:p>
-            <a:pPr algn="r">
-              <a:defRPr sz="1800">
-                <a:solidFill>
-                  <a:srgbClr val="FFFFFF"/>
-                </a:solidFill>
-              </a:defRPr>
-            </a:pPr>
-            <a:endParaRPr b="1" i="1" dirty="0">
-              <a:latin typeface="Helvetica"/>
-              <a:ea typeface="Helvetica"/>
-              <a:cs typeface="Helvetica"/>
-              <a:sym typeface="Helvetica"/>
-            </a:endParaRPr>
-          </a:p>
-        </p:txBody>
-      </p:sp>
-      <p:sp>
-        <p:nvSpPr>
-          <p:cNvPr id="16" name="Rectangle 15"/>
-          <p:cNvSpPr/>
-          <p:nvPr/>
-        </p:nvSpPr>
-        <p:spPr>
-          <a:xfrm>
-            <a:off x="1343327" y="1652000"/>
-            <a:ext cx="1829899" cy="923330"/>
-          </a:xfrm>
-          <a:prstGeom prst="rect">
-            <a:avLst/>
-          </a:prstGeom>
-        </p:spPr>
-        <p:txBody>
-          <a:bodyPr wrap="square">
-            <a:spAutoFit/>
-          </a:bodyPr>
-          <a:lstStyle/>
-          <a:p>
-            <a:pPr>
-              <a:defRPr sz="1800">
-                <a:solidFill>
-                  <a:srgbClr val="FFFFFF"/>
-                </a:solidFill>
-              </a:defRPr>
-            </a:pPr>
-            <a:r>
-              <a:rPr lang="en-GB" dirty="0" smtClean="0"/>
-              <a:t>Convert list to array for </a:t>
-            </a:r>
-            <a:r>
-              <a:rPr lang="en-GB" dirty="0" err="1" smtClean="0"/>
-              <a:t>numpy</a:t>
-            </a:r>
-            <a:r>
-              <a:rPr lang="en-GB" dirty="0" smtClean="0"/>
-              <a:t> operations</a:t>
-            </a:r>
-            <a:endParaRPr lang="en-GB" dirty="0"/>
-          </a:p>
-        </p:txBody>
-      </p:sp>
-    </p:spTree>
-    <p:extLst>
-      <p:ext uri="{BB962C8B-B14F-4D97-AF65-F5344CB8AC3E}">
-        <p14:creationId xmlns:p14="http://schemas.microsoft.com/office/powerpoint/2010/main" val="809983364"/>
       </p:ext>
     </p:extLst>
   </p:cSld>
@@ -8413,8 +8389,8 @@
         </p:nvSpPr>
         <p:spPr>
           <a:xfrm>
-            <a:off x="1417998" y="464544"/>
-            <a:ext cx="9076603" cy="764633"/>
+            <a:off x="2404197" y="459787"/>
+            <a:ext cx="7362103" cy="764633"/>
           </a:xfrm>
           <a:prstGeom prst="rect">
             <a:avLst/>
@@ -8440,12 +8416,12 @@
           <a:p>
             <a:pPr algn="ctr"/>
             <a:r>
-              <a:rPr lang="en-GB" sz="4500" b="1" dirty="0" err="1" smtClean="0"/>
-              <a:t>polyfit</a:t>
-            </a:r>
-            <a:r>
               <a:rPr lang="en-GB" sz="4500" dirty="0" smtClean="0"/>
-              <a:t>: coefficients of polynomial</a:t>
+              <a:t>Fitting a </a:t>
+            </a:r>
+            <a:r>
+              <a:rPr lang="en-GB" sz="4500" smtClean="0"/>
+              <a:t>Polynomial Function</a:t>
             </a:r>
             <a:endParaRPr sz="4500" dirty="0"/>
           </a:p>
@@ -8942,7 +8918,7 @@
     </p:spTree>
     <p:extLst>
       <p:ext uri="{BB962C8B-B14F-4D97-AF65-F5344CB8AC3E}">
-        <p14:creationId xmlns:p14="http://schemas.microsoft.com/office/powerpoint/2010/main" val="1716364456"/>
+        <p14:creationId xmlns:p14="http://schemas.microsoft.com/office/powerpoint/2010/main" val="809983364"/>
       </p:ext>
     </p:extLst>
   </p:cSld>
@@ -8976,30 +8952,6 @@
           <a:chExt cx="0" cy="0"/>
         </a:xfrm>
       </p:grpSpPr>
-      <p:pic>
-        <p:nvPicPr>
-          <p:cNvPr id="3" name="Picture 2"/>
-          <p:cNvPicPr>
-            <a:picLocks noChangeAspect="1"/>
-          </p:cNvPicPr>
-          <p:nvPr/>
-        </p:nvPicPr>
-        <p:blipFill>
-          <a:blip r:embed="rId2"/>
-          <a:stretch>
-            <a:fillRect/>
-          </a:stretch>
-        </p:blipFill>
-        <p:spPr>
-          <a:xfrm>
-            <a:off x="842211" y="2985527"/>
-            <a:ext cx="5798684" cy="1177579"/>
-          </a:xfrm>
-          <a:prstGeom prst="rect">
-            <a:avLst/>
-          </a:prstGeom>
-        </p:spPr>
-      </p:pic>
       <p:sp>
         <p:nvSpPr>
           <p:cNvPr id="5" name="Reading/Writing files"/>
@@ -9035,12 +8987,12 @@
           <a:p>
             <a:pPr algn="ctr"/>
             <a:r>
-              <a:rPr lang="en-GB" sz="4500" b="1" dirty="0" smtClean="0"/>
-              <a:t>poly1d</a:t>
+              <a:rPr lang="en-GB" sz="4500" b="1" dirty="0" err="1" smtClean="0"/>
+              <a:t>polyfit</a:t>
             </a:r>
             <a:r>
               <a:rPr lang="en-GB" sz="4500" dirty="0" smtClean="0"/>
-              <a:t>: generate fitted data</a:t>
+              <a:t>: coefficients of polynomial</a:t>
             </a:r>
             <a:endParaRPr sz="4500" dirty="0"/>
           </a:p>
@@ -9048,14 +9000,14 @@
       </p:sp>
       <p:sp>
         <p:nvSpPr>
-          <p:cNvPr id="6" name="init functions is called, self.Num = 3 and self.Den = 4"/>
+          <p:cNvPr id="8" name="init functions is called, self.Num = 3 and self.Den = 4"/>
           <p:cNvSpPr/>
           <p:nvPr/>
         </p:nvSpPr>
         <p:spPr>
           <a:xfrm flipH="1">
-            <a:off x="385011" y="1508235"/>
-            <a:ext cx="2270254" cy="1472195"/>
+            <a:off x="1285746" y="2714666"/>
+            <a:ext cx="2270254" cy="721073"/>
           </a:xfrm>
           <a:custGeom>
             <a:avLst/>
@@ -9124,7 +9076,7 @@
             </a:pathLst>
           </a:custGeom>
           <a:blipFill>
-            <a:blip r:embed="rId3"/>
+            <a:blip r:embed="rId2"/>
           </a:blipFill>
           <a:ln w="12700">
             <a:miter lim="400000"/>
@@ -9164,14 +9116,14 @@
       </p:sp>
       <p:sp>
         <p:nvSpPr>
-          <p:cNvPr id="7" name="Rectangle 6"/>
+          <p:cNvPr id="9" name="Rectangle 8"/>
           <p:cNvSpPr/>
           <p:nvPr/>
         </p:nvSpPr>
         <p:spPr>
           <a:xfrm>
-            <a:off x="442593" y="1508235"/>
-            <a:ext cx="1829899" cy="1200329"/>
+            <a:off x="1343328" y="2714666"/>
+            <a:ext cx="1829899" cy="646331"/>
           </a:xfrm>
           <a:prstGeom prst="rect">
             <a:avLst/>
@@ -9192,7 +9144,7 @@
             </a:pPr>
             <a:r>
               <a:rPr lang="en-GB" dirty="0" smtClean="0"/>
-              <a:t>More efficient than typing polynomial equation</a:t>
+              <a:t>3 coefficients, 3 variables </a:t>
             </a:r>
             <a:endParaRPr lang="en-GB" dirty="0"/>
           </a:p>
@@ -9200,13 +9152,13 @@
       </p:sp>
       <p:sp>
         <p:nvSpPr>
-          <p:cNvPr id="8" name="init functions is called, self.Num = 3 and self.Den = 4"/>
+          <p:cNvPr id="11" name="init functions is called, self.Num = 3 and self.Den = 4"/>
           <p:cNvSpPr/>
           <p:nvPr/>
         </p:nvSpPr>
         <p:spPr>
-          <a:xfrm>
-            <a:off x="4040830" y="2004773"/>
+          <a:xfrm flipH="1" flipV="1">
+            <a:off x="1285746" y="4364177"/>
             <a:ext cx="2270254" cy="1033505"/>
           </a:xfrm>
           <a:custGeom>
@@ -9276,7 +9228,7 @@
             </a:pathLst>
           </a:custGeom>
           <a:blipFill>
-            <a:blip r:embed="rId3"/>
+            <a:blip r:embed="rId2"/>
           </a:blipFill>
           <a:ln w="12700">
             <a:miter lim="400000"/>
@@ -9316,14 +9268,14 @@
       </p:sp>
       <p:sp>
         <p:nvSpPr>
-          <p:cNvPr id="9" name="Rectangle 8"/>
+          <p:cNvPr id="12" name="Rectangle 11"/>
           <p:cNvSpPr/>
           <p:nvPr/>
         </p:nvSpPr>
         <p:spPr>
           <a:xfrm>
-            <a:off x="4481185" y="1975612"/>
-            <a:ext cx="1829899" cy="646331"/>
+            <a:off x="1343328" y="4550734"/>
+            <a:ext cx="1829899" cy="923330"/>
           </a:xfrm>
           <a:prstGeom prst="rect">
             <a:avLst/>
@@ -9344,11 +9296,7 @@
             </a:pPr>
             <a:r>
               <a:rPr lang="en-GB" dirty="0" smtClean="0"/>
-              <a:t>Array to </a:t>
-            </a:r>
-            <a:r>
-              <a:rPr lang="en-GB" smtClean="0"/>
-              <a:t>fit values to</a:t>
+              <a:t>3 coefficients, 1 data structure, 3 elements</a:t>
             </a:r>
             <a:endParaRPr lang="en-GB" dirty="0"/>
           </a:p>
@@ -9356,56 +9304,192 @@
       </p:sp>
       <p:pic>
         <p:nvPicPr>
-          <p:cNvPr id="11" name="Picture 10"/>
+          <p:cNvPr id="2" name="Picture 1"/>
           <p:cNvPicPr>
             <a:picLocks noChangeAspect="1"/>
           </p:cNvPicPr>
           <p:nvPr/>
         </p:nvPicPr>
         <p:blipFill>
-          <a:blip r:embed="rId4"/>
+          <a:blip r:embed="rId3"/>
           <a:stretch>
             <a:fillRect/>
           </a:stretch>
         </p:blipFill>
         <p:spPr>
           <a:xfrm>
-            <a:off x="842211" y="4758311"/>
-            <a:ext cx="2735168" cy="814038"/>
+            <a:off x="3556000" y="2449016"/>
+            <a:ext cx="4800600" cy="2269034"/>
           </a:xfrm>
           <a:prstGeom prst="rect">
             <a:avLst/>
           </a:prstGeom>
         </p:spPr>
       </p:pic>
-      <p:pic>
-        <p:nvPicPr>
-          <p:cNvPr id="12" name="Picture 11"/>
-          <p:cNvPicPr>
-            <a:picLocks noChangeAspect="1"/>
-          </p:cNvPicPr>
+      <p:sp>
+        <p:nvSpPr>
+          <p:cNvPr id="15" name="init functions is called, self.Num = 3 and self.Den = 4"/>
+          <p:cNvSpPr/>
           <p:nvPr/>
-        </p:nvPicPr>
-        <p:blipFill>
-          <a:blip r:embed="rId5"/>
-          <a:stretch>
-            <a:fillRect/>
-          </a:stretch>
-        </p:blipFill>
-        <p:spPr>
-          <a:xfrm>
-            <a:off x="7186674" y="2797341"/>
-            <a:ext cx="4668441" cy="3019941"/>
+        </p:nvSpPr>
+        <p:spPr>
+          <a:xfrm flipH="1">
+            <a:off x="1280919" y="1681161"/>
+            <a:ext cx="2270254" cy="1033505"/>
+          </a:xfrm>
+          <a:custGeom>
+            <a:avLst/>
+            <a:gdLst/>
+            <a:ahLst/>
+            <a:cxnLst>
+              <a:cxn ang="0">
+                <a:pos x="wd2" y="hd2"/>
+              </a:cxn>
+              <a:cxn ang="5400000">
+                <a:pos x="wd2" y="hd2"/>
+              </a:cxn>
+              <a:cxn ang="10800000">
+                <a:pos x="wd2" y="hd2"/>
+              </a:cxn>
+              <a:cxn ang="16200000">
+                <a:pos x="wd2" y="hd2"/>
+              </a:cxn>
+            </a:cxnLst>
+            <a:rect l="0" t="0" r="r" b="b"/>
+            <a:pathLst>
+              <a:path w="21600" h="21600" extrusionOk="0">
+                <a:moveTo>
+                  <a:pt x="4419" y="0"/>
+                </a:moveTo>
+                <a:cubicBezTo>
+                  <a:pt x="4147" y="0"/>
+                  <a:pt x="3927" y="1432"/>
+                  <a:pt x="3927" y="3205"/>
+                </a:cubicBezTo>
+                <a:lnTo>
+                  <a:pt x="3927" y="12665"/>
+                </a:lnTo>
+                <a:lnTo>
+                  <a:pt x="0" y="21600"/>
+                </a:lnTo>
+                <a:lnTo>
+                  <a:pt x="4297" y="17678"/>
+                </a:lnTo>
+                <a:cubicBezTo>
+                  <a:pt x="4337" y="17747"/>
+                  <a:pt x="4376" y="17841"/>
+                  <a:pt x="4419" y="17841"/>
+                </a:cubicBezTo>
+                <a:lnTo>
+                  <a:pt x="21106" y="17841"/>
+                </a:lnTo>
+                <a:cubicBezTo>
+                  <a:pt x="21379" y="17841"/>
+                  <a:pt x="21600" y="16408"/>
+                  <a:pt x="21600" y="14636"/>
+                </a:cubicBezTo>
+                <a:lnTo>
+                  <a:pt x="21600" y="3205"/>
+                </a:lnTo>
+                <a:cubicBezTo>
+                  <a:pt x="21600" y="1432"/>
+                  <a:pt x="21379" y="0"/>
+                  <a:pt x="21106" y="0"/>
+                </a:cubicBezTo>
+                <a:lnTo>
+                  <a:pt x="4419" y="0"/>
+                </a:lnTo>
+                <a:close/>
+              </a:path>
+            </a:pathLst>
+          </a:custGeom>
+          <a:blipFill>
+            <a:blip r:embed="rId2"/>
+          </a:blipFill>
+          <a:ln w="12700">
+            <a:miter lim="400000"/>
+          </a:ln>
+          <a:effectLst>
+            <a:outerShdw blurRad="25400" dist="25400" dir="2388334" rotWithShape="0">
+              <a:srgbClr val="000000">
+                <a:alpha val="79310"/>
+              </a:srgbClr>
+            </a:outerShdw>
+          </a:effectLst>
+          <a:extLst>
+            <a:ext uri="{C572A759-6A51-4108-AA02-DFA0A04FC94B}">
+              <ma14:wrappingTextBoxFlag xmlns:ma14="http://schemas.microsoft.com/office/mac/drawingml/2011/main" val="1"/>
+            </a:ext>
+          </a:extLst>
+        </p:spPr>
+        <p:txBody>
+          <a:bodyPr lIns="50800" tIns="50800" rIns="50800" bIns="50800" anchor="t"/>
+          <a:lstStyle/>
+          <a:p>
+            <a:pPr algn="r">
+              <a:defRPr sz="1800">
+                <a:solidFill>
+                  <a:srgbClr val="FFFFFF"/>
+                </a:solidFill>
+              </a:defRPr>
+            </a:pPr>
+            <a:endParaRPr b="1" i="1" dirty="0">
+              <a:latin typeface="Helvetica"/>
+              <a:ea typeface="Helvetica"/>
+              <a:cs typeface="Helvetica"/>
+              <a:sym typeface="Helvetica"/>
+            </a:endParaRPr>
+          </a:p>
+        </p:txBody>
+      </p:sp>
+      <p:sp>
+        <p:nvSpPr>
+          <p:cNvPr id="16" name="Rectangle 15"/>
+          <p:cNvSpPr/>
+          <p:nvPr/>
+        </p:nvSpPr>
+        <p:spPr>
+          <a:xfrm>
+            <a:off x="1343327" y="1652000"/>
+            <a:ext cx="1829899" cy="923330"/>
           </a:xfrm>
           <a:prstGeom prst="rect">
             <a:avLst/>
           </a:prstGeom>
         </p:spPr>
-      </p:pic>
+        <p:txBody>
+          <a:bodyPr wrap="square">
+            <a:spAutoFit/>
+          </a:bodyPr>
+          <a:lstStyle/>
+          <a:p>
+            <a:pPr>
+              <a:defRPr sz="1800">
+                <a:solidFill>
+                  <a:srgbClr val="FFFFFF"/>
+                </a:solidFill>
+              </a:defRPr>
+            </a:pPr>
+            <a:r>
+              <a:rPr lang="en-GB" dirty="0" smtClean="0"/>
+              <a:t>Convert list to array for </a:t>
+            </a:r>
+            <a:r>
+              <a:rPr lang="en-GB" dirty="0" err="1" smtClean="0"/>
+              <a:t>numpy</a:t>
+            </a:r>
+            <a:r>
+              <a:rPr lang="en-GB" dirty="0" smtClean="0"/>
+              <a:t> operations</a:t>
+            </a:r>
+            <a:endParaRPr lang="en-GB" dirty="0"/>
+          </a:p>
+        </p:txBody>
+      </p:sp>
     </p:spTree>
     <p:extLst>
       <p:ext uri="{BB962C8B-B14F-4D97-AF65-F5344CB8AC3E}">
-        <p14:creationId xmlns:p14="http://schemas.microsoft.com/office/powerpoint/2010/main" val="895336327"/>
+        <p14:creationId xmlns:p14="http://schemas.microsoft.com/office/powerpoint/2010/main" val="1716364456"/>
       </p:ext>
     </p:extLst>
   </p:cSld>
@@ -9441,7 +9525,7 @@
       </p:grpSpPr>
       <p:pic>
         <p:nvPicPr>
-          <p:cNvPr id="2" name="Picture 1"/>
+          <p:cNvPr id="3" name="Picture 2"/>
           <p:cNvPicPr>
             <a:picLocks noChangeAspect="1"/>
           </p:cNvPicPr>
@@ -9455,8 +9539,8 @@
         </p:blipFill>
         <p:spPr>
           <a:xfrm>
-            <a:off x="850224" y="2601736"/>
-            <a:ext cx="2972871" cy="1714513"/>
+            <a:off x="842211" y="2985527"/>
+            <a:ext cx="5798684" cy="1177579"/>
           </a:xfrm>
           <a:prstGeom prst="rect">
             <a:avLst/>
@@ -9498,8 +9582,12 @@
           <a:p>
             <a:pPr algn="ctr"/>
             <a:r>
+              <a:rPr lang="en-GB" sz="4500" b="1" dirty="0" smtClean="0"/>
+              <a:t>poly1d</a:t>
+            </a:r>
+            <a:r>
               <a:rPr lang="en-GB" sz="4500" dirty="0" smtClean="0"/>
-              <a:t>Monotonic x data</a:t>
+              <a:t>: generate fitted data</a:t>
             </a:r>
             <a:endParaRPr sz="4500" dirty="0"/>
           </a:p>
@@ -9507,14 +9595,14 @@
       </p:sp>
       <p:sp>
         <p:nvSpPr>
-          <p:cNvPr id="8" name="init functions is called, self.Num = 3 and self.Den = 4"/>
+          <p:cNvPr id="6" name="init functions is called, self.Num = 3 and self.Den = 4"/>
           <p:cNvSpPr/>
           <p:nvPr/>
         </p:nvSpPr>
         <p:spPr>
-          <a:xfrm>
-            <a:off x="3534336" y="1658071"/>
-            <a:ext cx="2641873" cy="1033505"/>
+          <a:xfrm flipH="1">
+            <a:off x="385011" y="1508235"/>
+            <a:ext cx="2270254" cy="1472195"/>
           </a:xfrm>
           <a:custGeom>
             <a:avLst/>
@@ -9623,14 +9711,14 @@
       </p:sp>
       <p:sp>
         <p:nvSpPr>
-          <p:cNvPr id="9" name="Rectangle 8"/>
+          <p:cNvPr id="7" name="Rectangle 6"/>
           <p:cNvSpPr/>
           <p:nvPr/>
         </p:nvSpPr>
         <p:spPr>
           <a:xfrm>
-            <a:off x="4086987" y="1631805"/>
-            <a:ext cx="2201518" cy="923330"/>
+            <a:off x="442593" y="1508235"/>
+            <a:ext cx="1829899" cy="1200329"/>
           </a:xfrm>
           <a:prstGeom prst="rect">
             <a:avLst/>
@@ -9651,7 +9739,7 @@
             </a:pPr>
             <a:r>
               <a:rPr lang="en-GB" dirty="0" smtClean="0"/>
-              <a:t>Sorts monotonically based on first variable</a:t>
+              <a:t>More efficient than typing polynomial equation</a:t>
             </a:r>
             <a:endParaRPr lang="en-GB" dirty="0"/>
           </a:p>
@@ -9659,14 +9747,14 @@
       </p:sp>
       <p:sp>
         <p:nvSpPr>
-          <p:cNvPr id="13" name="init functions is called, self.Num = 3 and self.Den = 4"/>
+          <p:cNvPr id="8" name="init functions is called, self.Num = 3 and self.Den = 4"/>
           <p:cNvSpPr/>
           <p:nvPr/>
         </p:nvSpPr>
         <p:spPr>
-          <a:xfrm flipV="1">
-            <a:off x="3558400" y="3356851"/>
-            <a:ext cx="2641873" cy="1033505"/>
+          <a:xfrm>
+            <a:off x="4040830" y="2004773"/>
+            <a:ext cx="2270254" cy="1033505"/>
           </a:xfrm>
           <a:custGeom>
             <a:avLst/>
@@ -9775,14 +9863,14 @@
       </p:sp>
       <p:sp>
         <p:nvSpPr>
-          <p:cNvPr id="14" name="Rectangle 13"/>
+          <p:cNvPr id="9" name="Rectangle 8"/>
           <p:cNvSpPr/>
           <p:nvPr/>
         </p:nvSpPr>
         <p:spPr>
           <a:xfrm>
-            <a:off x="4086987" y="3531714"/>
-            <a:ext cx="2201518" cy="923330"/>
+            <a:off x="4481185" y="1975612"/>
+            <a:ext cx="1829899" cy="646331"/>
           </a:xfrm>
           <a:prstGeom prst="rect">
             <a:avLst/>
@@ -9803,7 +9891,11 @@
             </a:pPr>
             <a:r>
               <a:rPr lang="en-GB" dirty="0" smtClean="0"/>
-              <a:t>Split list of tuples using list comprehension</a:t>
+              <a:t>Array to </a:t>
+            </a:r>
+            <a:r>
+              <a:rPr lang="en-GB" smtClean="0"/>
+              <a:t>fit values to</a:t>
             </a:r>
             <a:endParaRPr lang="en-GB" dirty="0"/>
           </a:p>
@@ -9811,7 +9903,7 @@
       </p:sp>
       <p:pic>
         <p:nvPicPr>
-          <p:cNvPr id="3" name="Picture 2"/>
+          <p:cNvPr id="11" name="Picture 10"/>
           <p:cNvPicPr>
             <a:picLocks noChangeAspect="1"/>
           </p:cNvPicPr>
@@ -9825,8 +9917,8 @@
         </p:blipFill>
         <p:spPr>
           <a:xfrm>
-            <a:off x="850224" y="4783221"/>
-            <a:ext cx="2310070" cy="845941"/>
+            <a:off x="842211" y="4758311"/>
+            <a:ext cx="2735168" cy="814038"/>
           </a:xfrm>
           <a:prstGeom prst="rect">
             <a:avLst/>
@@ -9835,7 +9927,7 @@
       </p:pic>
       <p:pic>
         <p:nvPicPr>
-          <p:cNvPr id="10" name="Picture 9"/>
+          <p:cNvPr id="12" name="Picture 11"/>
           <p:cNvPicPr>
             <a:picLocks noChangeAspect="1"/>
           </p:cNvPicPr>
@@ -9849,8 +9941,8 @@
         </p:blipFill>
         <p:spPr>
           <a:xfrm>
-            <a:off x="6958597" y="2402165"/>
-            <a:ext cx="4627456" cy="3052152"/>
+            <a:off x="7186674" y="2797341"/>
+            <a:ext cx="4668441" cy="3019941"/>
           </a:xfrm>
           <a:prstGeom prst="rect">
             <a:avLst/>
@@ -9860,7 +9952,7 @@
     </p:spTree>
     <p:extLst>
       <p:ext uri="{BB962C8B-B14F-4D97-AF65-F5344CB8AC3E}">
-        <p14:creationId xmlns:p14="http://schemas.microsoft.com/office/powerpoint/2010/main" val="666035902"/>
+        <p14:creationId xmlns:p14="http://schemas.microsoft.com/office/powerpoint/2010/main" val="895336327"/>
       </p:ext>
     </p:extLst>
   </p:cSld>
@@ -9896,7 +9988,7 @@
       </p:grpSpPr>
       <p:pic>
         <p:nvPicPr>
-          <p:cNvPr id="3" name="Picture 2"/>
+          <p:cNvPr id="2" name="Picture 1"/>
           <p:cNvPicPr>
             <a:picLocks noChangeAspect="1"/>
           </p:cNvPicPr>
@@ -9910,32 +10002,8 @@
         </p:blipFill>
         <p:spPr>
           <a:xfrm>
-            <a:off x="869950" y="3764881"/>
-            <a:ext cx="10452100" cy="2247900"/>
-          </a:xfrm>
-          <a:prstGeom prst="rect">
-            <a:avLst/>
-          </a:prstGeom>
-        </p:spPr>
-      </p:pic>
-      <p:pic>
-        <p:nvPicPr>
-          <p:cNvPr id="6" name="Picture 5"/>
-          <p:cNvPicPr>
-            <a:picLocks noChangeAspect="1"/>
-          </p:cNvPicPr>
-          <p:nvPr/>
-        </p:nvPicPr>
-        <p:blipFill>
-          <a:blip r:embed="rId3"/>
-          <a:stretch>
-            <a:fillRect/>
-          </a:stretch>
-        </p:blipFill>
-        <p:spPr>
-          <a:xfrm>
-            <a:off x="927933" y="1846950"/>
-            <a:ext cx="10045700" cy="1041400"/>
+            <a:off x="850224" y="2601736"/>
+            <a:ext cx="2972871" cy="1714513"/>
           </a:xfrm>
           <a:prstGeom prst="rect">
             <a:avLst/>
@@ -9950,8 +10018,8 @@
         </p:nvSpPr>
         <p:spPr>
           <a:xfrm>
-            <a:off x="2874097" y="205787"/>
-            <a:ext cx="6153373" cy="764633"/>
+            <a:off x="1417998" y="464544"/>
+            <a:ext cx="9076603" cy="764633"/>
           </a:xfrm>
           <a:prstGeom prst="rect">
             <a:avLst/>
@@ -9978,16 +10046,368 @@
             <a:pPr algn="ctr"/>
             <a:r>
               <a:rPr lang="en-GB" sz="4500" dirty="0" smtClean="0"/>
-              <a:t>Importing data</a:t>
+              <a:t>Monotonic x data</a:t>
             </a:r>
             <a:endParaRPr sz="4500" dirty="0"/>
           </a:p>
         </p:txBody>
       </p:sp>
+      <p:sp>
+        <p:nvSpPr>
+          <p:cNvPr id="8" name="init functions is called, self.Num = 3 and self.Den = 4"/>
+          <p:cNvSpPr/>
+          <p:nvPr/>
+        </p:nvSpPr>
+        <p:spPr>
+          <a:xfrm>
+            <a:off x="3534336" y="1658071"/>
+            <a:ext cx="2641873" cy="1033505"/>
+          </a:xfrm>
+          <a:custGeom>
+            <a:avLst/>
+            <a:gdLst/>
+            <a:ahLst/>
+            <a:cxnLst>
+              <a:cxn ang="0">
+                <a:pos x="wd2" y="hd2"/>
+              </a:cxn>
+              <a:cxn ang="5400000">
+                <a:pos x="wd2" y="hd2"/>
+              </a:cxn>
+              <a:cxn ang="10800000">
+                <a:pos x="wd2" y="hd2"/>
+              </a:cxn>
+              <a:cxn ang="16200000">
+                <a:pos x="wd2" y="hd2"/>
+              </a:cxn>
+            </a:cxnLst>
+            <a:rect l="0" t="0" r="r" b="b"/>
+            <a:pathLst>
+              <a:path w="21600" h="21600" extrusionOk="0">
+                <a:moveTo>
+                  <a:pt x="4419" y="0"/>
+                </a:moveTo>
+                <a:cubicBezTo>
+                  <a:pt x="4147" y="0"/>
+                  <a:pt x="3927" y="1432"/>
+                  <a:pt x="3927" y="3205"/>
+                </a:cubicBezTo>
+                <a:lnTo>
+                  <a:pt x="3927" y="12665"/>
+                </a:lnTo>
+                <a:lnTo>
+                  <a:pt x="0" y="21600"/>
+                </a:lnTo>
+                <a:lnTo>
+                  <a:pt x="4297" y="17678"/>
+                </a:lnTo>
+                <a:cubicBezTo>
+                  <a:pt x="4337" y="17747"/>
+                  <a:pt x="4376" y="17841"/>
+                  <a:pt x="4419" y="17841"/>
+                </a:cubicBezTo>
+                <a:lnTo>
+                  <a:pt x="21106" y="17841"/>
+                </a:lnTo>
+                <a:cubicBezTo>
+                  <a:pt x="21379" y="17841"/>
+                  <a:pt x="21600" y="16408"/>
+                  <a:pt x="21600" y="14636"/>
+                </a:cubicBezTo>
+                <a:lnTo>
+                  <a:pt x="21600" y="3205"/>
+                </a:lnTo>
+                <a:cubicBezTo>
+                  <a:pt x="21600" y="1432"/>
+                  <a:pt x="21379" y="0"/>
+                  <a:pt x="21106" y="0"/>
+                </a:cubicBezTo>
+                <a:lnTo>
+                  <a:pt x="4419" y="0"/>
+                </a:lnTo>
+                <a:close/>
+              </a:path>
+            </a:pathLst>
+          </a:custGeom>
+          <a:blipFill>
+            <a:blip r:embed="rId3"/>
+          </a:blipFill>
+          <a:ln w="12700">
+            <a:miter lim="400000"/>
+          </a:ln>
+          <a:effectLst>
+            <a:outerShdw blurRad="25400" dist="25400" dir="2388334" rotWithShape="0">
+              <a:srgbClr val="000000">
+                <a:alpha val="79310"/>
+              </a:srgbClr>
+            </a:outerShdw>
+          </a:effectLst>
+          <a:extLst>
+            <a:ext uri="{C572A759-6A51-4108-AA02-DFA0A04FC94B}">
+              <ma14:wrappingTextBoxFlag xmlns:ma14="http://schemas.microsoft.com/office/mac/drawingml/2011/main" val="1"/>
+            </a:ext>
+          </a:extLst>
+        </p:spPr>
+        <p:txBody>
+          <a:bodyPr lIns="50800" tIns="50800" rIns="50800" bIns="50800" anchor="t"/>
+          <a:lstStyle/>
+          <a:p>
+            <a:pPr algn="r">
+              <a:defRPr sz="1800">
+                <a:solidFill>
+                  <a:srgbClr val="FFFFFF"/>
+                </a:solidFill>
+              </a:defRPr>
+            </a:pPr>
+            <a:endParaRPr b="1" i="1" dirty="0">
+              <a:latin typeface="Helvetica"/>
+              <a:ea typeface="Helvetica"/>
+              <a:cs typeface="Helvetica"/>
+              <a:sym typeface="Helvetica"/>
+            </a:endParaRPr>
+          </a:p>
+        </p:txBody>
+      </p:sp>
+      <p:sp>
+        <p:nvSpPr>
+          <p:cNvPr id="9" name="Rectangle 8"/>
+          <p:cNvSpPr/>
+          <p:nvPr/>
+        </p:nvSpPr>
+        <p:spPr>
+          <a:xfrm>
+            <a:off x="4086987" y="1631805"/>
+            <a:ext cx="2201518" cy="923330"/>
+          </a:xfrm>
+          <a:prstGeom prst="rect">
+            <a:avLst/>
+          </a:prstGeom>
+        </p:spPr>
+        <p:txBody>
+          <a:bodyPr wrap="square">
+            <a:spAutoFit/>
+          </a:bodyPr>
+          <a:lstStyle/>
+          <a:p>
+            <a:pPr>
+              <a:defRPr sz="1800">
+                <a:solidFill>
+                  <a:srgbClr val="FFFFFF"/>
+                </a:solidFill>
+              </a:defRPr>
+            </a:pPr>
+            <a:r>
+              <a:rPr lang="en-GB" dirty="0" smtClean="0"/>
+              <a:t>Sorts monotonically based on first variable</a:t>
+            </a:r>
+            <a:endParaRPr lang="en-GB" dirty="0"/>
+          </a:p>
+        </p:txBody>
+      </p:sp>
+      <p:sp>
+        <p:nvSpPr>
+          <p:cNvPr id="13" name="init functions is called, self.Num = 3 and self.Den = 4"/>
+          <p:cNvSpPr/>
+          <p:nvPr/>
+        </p:nvSpPr>
+        <p:spPr>
+          <a:xfrm flipV="1">
+            <a:off x="3558400" y="3356851"/>
+            <a:ext cx="2641873" cy="1033505"/>
+          </a:xfrm>
+          <a:custGeom>
+            <a:avLst/>
+            <a:gdLst/>
+            <a:ahLst/>
+            <a:cxnLst>
+              <a:cxn ang="0">
+                <a:pos x="wd2" y="hd2"/>
+              </a:cxn>
+              <a:cxn ang="5400000">
+                <a:pos x="wd2" y="hd2"/>
+              </a:cxn>
+              <a:cxn ang="10800000">
+                <a:pos x="wd2" y="hd2"/>
+              </a:cxn>
+              <a:cxn ang="16200000">
+                <a:pos x="wd2" y="hd2"/>
+              </a:cxn>
+            </a:cxnLst>
+            <a:rect l="0" t="0" r="r" b="b"/>
+            <a:pathLst>
+              <a:path w="21600" h="21600" extrusionOk="0">
+                <a:moveTo>
+                  <a:pt x="4419" y="0"/>
+                </a:moveTo>
+                <a:cubicBezTo>
+                  <a:pt x="4147" y="0"/>
+                  <a:pt x="3927" y="1432"/>
+                  <a:pt x="3927" y="3205"/>
+                </a:cubicBezTo>
+                <a:lnTo>
+                  <a:pt x="3927" y="12665"/>
+                </a:lnTo>
+                <a:lnTo>
+                  <a:pt x="0" y="21600"/>
+                </a:lnTo>
+                <a:lnTo>
+                  <a:pt x="4297" y="17678"/>
+                </a:lnTo>
+                <a:cubicBezTo>
+                  <a:pt x="4337" y="17747"/>
+                  <a:pt x="4376" y="17841"/>
+                  <a:pt x="4419" y="17841"/>
+                </a:cubicBezTo>
+                <a:lnTo>
+                  <a:pt x="21106" y="17841"/>
+                </a:lnTo>
+                <a:cubicBezTo>
+                  <a:pt x="21379" y="17841"/>
+                  <a:pt x="21600" y="16408"/>
+                  <a:pt x="21600" y="14636"/>
+                </a:cubicBezTo>
+                <a:lnTo>
+                  <a:pt x="21600" y="3205"/>
+                </a:lnTo>
+                <a:cubicBezTo>
+                  <a:pt x="21600" y="1432"/>
+                  <a:pt x="21379" y="0"/>
+                  <a:pt x="21106" y="0"/>
+                </a:cubicBezTo>
+                <a:lnTo>
+                  <a:pt x="4419" y="0"/>
+                </a:lnTo>
+                <a:close/>
+              </a:path>
+            </a:pathLst>
+          </a:custGeom>
+          <a:blipFill>
+            <a:blip r:embed="rId3"/>
+          </a:blipFill>
+          <a:ln w="12700">
+            <a:miter lim="400000"/>
+          </a:ln>
+          <a:effectLst>
+            <a:outerShdw blurRad="25400" dist="25400" dir="2388334" rotWithShape="0">
+              <a:srgbClr val="000000">
+                <a:alpha val="79310"/>
+              </a:srgbClr>
+            </a:outerShdw>
+          </a:effectLst>
+          <a:extLst>
+            <a:ext uri="{C572A759-6A51-4108-AA02-DFA0A04FC94B}">
+              <ma14:wrappingTextBoxFlag xmlns:ma14="http://schemas.microsoft.com/office/mac/drawingml/2011/main" val="1"/>
+            </a:ext>
+          </a:extLst>
+        </p:spPr>
+        <p:txBody>
+          <a:bodyPr lIns="50800" tIns="50800" rIns="50800" bIns="50800" anchor="t"/>
+          <a:lstStyle/>
+          <a:p>
+            <a:pPr algn="r">
+              <a:defRPr sz="1800">
+                <a:solidFill>
+                  <a:srgbClr val="FFFFFF"/>
+                </a:solidFill>
+              </a:defRPr>
+            </a:pPr>
+            <a:endParaRPr b="1" i="1" dirty="0">
+              <a:latin typeface="Helvetica"/>
+              <a:ea typeface="Helvetica"/>
+              <a:cs typeface="Helvetica"/>
+              <a:sym typeface="Helvetica"/>
+            </a:endParaRPr>
+          </a:p>
+        </p:txBody>
+      </p:sp>
+      <p:sp>
+        <p:nvSpPr>
+          <p:cNvPr id="14" name="Rectangle 13"/>
+          <p:cNvSpPr/>
+          <p:nvPr/>
+        </p:nvSpPr>
+        <p:spPr>
+          <a:xfrm>
+            <a:off x="4086987" y="3531714"/>
+            <a:ext cx="2201518" cy="923330"/>
+          </a:xfrm>
+          <a:prstGeom prst="rect">
+            <a:avLst/>
+          </a:prstGeom>
+        </p:spPr>
+        <p:txBody>
+          <a:bodyPr wrap="square">
+            <a:spAutoFit/>
+          </a:bodyPr>
+          <a:lstStyle/>
+          <a:p>
+            <a:pPr>
+              <a:defRPr sz="1800">
+                <a:solidFill>
+                  <a:srgbClr val="FFFFFF"/>
+                </a:solidFill>
+              </a:defRPr>
+            </a:pPr>
+            <a:r>
+              <a:rPr lang="en-GB" dirty="0" smtClean="0"/>
+              <a:t>Split list of tuples using list comprehension</a:t>
+            </a:r>
+            <a:endParaRPr lang="en-GB" dirty="0"/>
+          </a:p>
+        </p:txBody>
+      </p:sp>
+      <p:pic>
+        <p:nvPicPr>
+          <p:cNvPr id="3" name="Picture 2"/>
+          <p:cNvPicPr>
+            <a:picLocks noChangeAspect="1"/>
+          </p:cNvPicPr>
+          <p:nvPr/>
+        </p:nvPicPr>
+        <p:blipFill>
+          <a:blip r:embed="rId4"/>
+          <a:stretch>
+            <a:fillRect/>
+          </a:stretch>
+        </p:blipFill>
+        <p:spPr>
+          <a:xfrm>
+            <a:off x="850224" y="4783221"/>
+            <a:ext cx="2310070" cy="845941"/>
+          </a:xfrm>
+          <a:prstGeom prst="rect">
+            <a:avLst/>
+          </a:prstGeom>
+        </p:spPr>
+      </p:pic>
+      <p:pic>
+        <p:nvPicPr>
+          <p:cNvPr id="10" name="Picture 9"/>
+          <p:cNvPicPr>
+            <a:picLocks noChangeAspect="1"/>
+          </p:cNvPicPr>
+          <p:nvPr/>
+        </p:nvPicPr>
+        <p:blipFill>
+          <a:blip r:embed="rId5"/>
+          <a:stretch>
+            <a:fillRect/>
+          </a:stretch>
+        </p:blipFill>
+        <p:spPr>
+          <a:xfrm>
+            <a:off x="6958597" y="2402165"/>
+            <a:ext cx="4627456" cy="3052152"/>
+          </a:xfrm>
+          <a:prstGeom prst="rect">
+            <a:avLst/>
+          </a:prstGeom>
+        </p:spPr>
+      </p:pic>
     </p:spTree>
     <p:extLst>
       <p:ext uri="{BB962C8B-B14F-4D97-AF65-F5344CB8AC3E}">
-        <p14:creationId xmlns:p14="http://schemas.microsoft.com/office/powerpoint/2010/main" val="334699671"/>
+        <p14:creationId xmlns:p14="http://schemas.microsoft.com/office/powerpoint/2010/main" val="666035902"/>
       </p:ext>
     </p:extLst>
   </p:cSld>
